--- a/sprint_task_board_Agile_3.pptx
+++ b/sprint_task_board_Agile_3.pptx
@@ -117,12 +117,12 @@
   <pc:docChgLst>
     <pc:chgData name="Cassie Cruse" userId="9ff637705a1eb142" providerId="LiveId" clId="{FAEBE36A-1F50-4A91-8A3D-677352997945}"/>
     <pc:docChg chg="undo custSel modSld">
-      <pc:chgData name="Cassie Cruse" userId="9ff637705a1eb142" providerId="LiveId" clId="{FAEBE36A-1F50-4A91-8A3D-677352997945}" dt="2020-10-09T00:03:56.803" v="313" actId="20577"/>
+      <pc:chgData name="Cassie Cruse" userId="9ff637705a1eb142" providerId="LiveId" clId="{FAEBE36A-1F50-4A91-8A3D-677352997945}" dt="2020-10-20T23:19:51.143" v="316" actId="1076"/>
       <pc:docMkLst>
         <pc:docMk/>
       </pc:docMkLst>
       <pc:sldChg chg="addSp delSp modSp mod">
-        <pc:chgData name="Cassie Cruse" userId="9ff637705a1eb142" providerId="LiveId" clId="{FAEBE36A-1F50-4A91-8A3D-677352997945}" dt="2020-10-09T00:03:56.803" v="313" actId="20577"/>
+        <pc:chgData name="Cassie Cruse" userId="9ff637705a1eb142" providerId="LiveId" clId="{FAEBE36A-1F50-4A91-8A3D-677352997945}" dt="2020-10-20T23:19:51.143" v="316" actId="1076"/>
         <pc:sldMkLst>
           <pc:docMk/>
           <pc:sldMk cId="1489283337" sldId="256"/>
@@ -160,7 +160,7 @@
           </ac:spMkLst>
         </pc:spChg>
         <pc:spChg chg="add mod">
-          <ac:chgData name="Cassie Cruse" userId="9ff637705a1eb142" providerId="LiveId" clId="{FAEBE36A-1F50-4A91-8A3D-677352997945}" dt="2020-10-06T23:46:33.570" v="50" actId="20577"/>
+          <ac:chgData name="Cassie Cruse" userId="9ff637705a1eb142" providerId="LiveId" clId="{FAEBE36A-1F50-4A91-8A3D-677352997945}" dt="2020-10-20T23:19:48.958" v="315" actId="1076"/>
           <ac:spMkLst>
             <pc:docMk/>
             <pc:sldMk cId="1489283337" sldId="256"/>
@@ -168,7 +168,7 @@
           </ac:spMkLst>
         </pc:spChg>
         <pc:spChg chg="add mod">
-          <ac:chgData name="Cassie Cruse" userId="9ff637705a1eb142" providerId="LiveId" clId="{FAEBE36A-1F50-4A91-8A3D-677352997945}" dt="2020-10-06T23:47:21.602" v="143" actId="404"/>
+          <ac:chgData name="Cassie Cruse" userId="9ff637705a1eb142" providerId="LiveId" clId="{FAEBE36A-1F50-4A91-8A3D-677352997945}" dt="2020-10-20T23:19:51.143" v="316" actId="1076"/>
           <ac:spMkLst>
             <pc:docMk/>
             <pc:sldMk cId="1489283337" sldId="256"/>
@@ -208,7 +208,7 @@
           </ac:spMkLst>
         </pc:spChg>
         <pc:spChg chg="mod">
-          <ac:chgData name="Cassie Cruse" userId="9ff637705a1eb142" providerId="LiveId" clId="{FAEBE36A-1F50-4A91-8A3D-677352997945}" dt="2020-10-09T00:03:36.596" v="296"/>
+          <ac:chgData name="Cassie Cruse" userId="9ff637705a1eb142" providerId="LiveId" clId="{FAEBE36A-1F50-4A91-8A3D-677352997945}" dt="2020-10-20T23:19:43.374" v="314" actId="1076"/>
           <ac:spMkLst>
             <pc:docMk/>
             <pc:sldMk cId="1489283337" sldId="256"/>
@@ -384,7 +384,7 @@
           <a:p>
             <a:fld id="{B6341FFD-5D10-463C-B7CE-F9E5B3035469}" type="datetimeFigureOut">
               <a:rPr lang="en-US" smtClean="0"/>
-              <a:t>10/8/2020</a:t>
+              <a:t>10/20/2020</a:t>
             </a:fld>
             <a:endParaRPr lang="en-US"/>
           </a:p>
@@ -582,7 +582,7 @@
           <a:p>
             <a:fld id="{B6341FFD-5D10-463C-B7CE-F9E5B3035469}" type="datetimeFigureOut">
               <a:rPr lang="en-US" smtClean="0"/>
-              <a:t>10/8/2020</a:t>
+              <a:t>10/20/2020</a:t>
             </a:fld>
             <a:endParaRPr lang="en-US"/>
           </a:p>
@@ -790,7 +790,7 @@
           <a:p>
             <a:fld id="{B6341FFD-5D10-463C-B7CE-F9E5B3035469}" type="datetimeFigureOut">
               <a:rPr lang="en-US" smtClean="0"/>
-              <a:t>10/8/2020</a:t>
+              <a:t>10/20/2020</a:t>
             </a:fld>
             <a:endParaRPr lang="en-US"/>
           </a:p>
@@ -988,7 +988,7 @@
           <a:p>
             <a:fld id="{B6341FFD-5D10-463C-B7CE-F9E5B3035469}" type="datetimeFigureOut">
               <a:rPr lang="en-US" smtClean="0"/>
-              <a:t>10/8/2020</a:t>
+              <a:t>10/20/2020</a:t>
             </a:fld>
             <a:endParaRPr lang="en-US"/>
           </a:p>
@@ -1263,7 +1263,7 @@
           <a:p>
             <a:fld id="{B6341FFD-5D10-463C-B7CE-F9E5B3035469}" type="datetimeFigureOut">
               <a:rPr lang="en-US" smtClean="0"/>
-              <a:t>10/8/2020</a:t>
+              <a:t>10/20/2020</a:t>
             </a:fld>
             <a:endParaRPr lang="en-US"/>
           </a:p>
@@ -1528,7 +1528,7 @@
           <a:p>
             <a:fld id="{B6341FFD-5D10-463C-B7CE-F9E5B3035469}" type="datetimeFigureOut">
               <a:rPr lang="en-US" smtClean="0"/>
-              <a:t>10/8/2020</a:t>
+              <a:t>10/20/2020</a:t>
             </a:fld>
             <a:endParaRPr lang="en-US"/>
           </a:p>
@@ -1940,7 +1940,7 @@
           <a:p>
             <a:fld id="{B6341FFD-5D10-463C-B7CE-F9E5B3035469}" type="datetimeFigureOut">
               <a:rPr lang="en-US" smtClean="0"/>
-              <a:t>10/8/2020</a:t>
+              <a:t>10/20/2020</a:t>
             </a:fld>
             <a:endParaRPr lang="en-US"/>
           </a:p>
@@ -2081,7 +2081,7 @@
           <a:p>
             <a:fld id="{B6341FFD-5D10-463C-B7CE-F9E5B3035469}" type="datetimeFigureOut">
               <a:rPr lang="en-US" smtClean="0"/>
-              <a:t>10/8/2020</a:t>
+              <a:t>10/20/2020</a:t>
             </a:fld>
             <a:endParaRPr lang="en-US"/>
           </a:p>
@@ -2194,7 +2194,7 @@
           <a:p>
             <a:fld id="{B6341FFD-5D10-463C-B7CE-F9E5B3035469}" type="datetimeFigureOut">
               <a:rPr lang="en-US" smtClean="0"/>
-              <a:t>10/8/2020</a:t>
+              <a:t>10/20/2020</a:t>
             </a:fld>
             <a:endParaRPr lang="en-US"/>
           </a:p>
@@ -2505,7 +2505,7 @@
           <a:p>
             <a:fld id="{B6341FFD-5D10-463C-B7CE-F9E5B3035469}" type="datetimeFigureOut">
               <a:rPr lang="en-US" smtClean="0"/>
-              <a:t>10/8/2020</a:t>
+              <a:t>10/20/2020</a:t>
             </a:fld>
             <a:endParaRPr lang="en-US"/>
           </a:p>
@@ -2793,7 +2793,7 @@
           <a:p>
             <a:fld id="{B6341FFD-5D10-463C-B7CE-F9E5B3035469}" type="datetimeFigureOut">
               <a:rPr lang="en-US" smtClean="0"/>
-              <a:t>10/8/2020</a:t>
+              <a:t>10/20/2020</a:t>
             </a:fld>
             <a:endParaRPr lang="en-US"/>
           </a:p>
@@ -3034,7 +3034,7 @@
           <a:p>
             <a:fld id="{B6341FFD-5D10-463C-B7CE-F9E5B3035469}" type="datetimeFigureOut">
               <a:rPr lang="en-US" smtClean="0"/>
-              <a:t>10/8/2020</a:t>
+              <a:t>10/20/2020</a:t>
             </a:fld>
             <a:endParaRPr lang="en-US"/>
           </a:p>
@@ -4345,7 +4345,7 @@
         </p:nvSpPr>
         <p:spPr>
           <a:xfrm>
-            <a:off x="6888311" y="1723011"/>
+            <a:off x="9464457" y="1738875"/>
             <a:ext cx="1093927" cy="499722"/>
           </a:xfrm>
           <a:prstGeom prst="rect">
@@ -4514,7 +4514,7 @@
         </p:nvSpPr>
         <p:spPr>
           <a:xfrm>
-            <a:off x="3841457" y="2330191"/>
+            <a:off x="6888309" y="1705561"/>
             <a:ext cx="1093927" cy="499722"/>
           </a:xfrm>
           <a:prstGeom prst="rect">
@@ -4563,7 +4563,7 @@
         </p:nvSpPr>
         <p:spPr>
           <a:xfrm>
-            <a:off x="5107099" y="1723011"/>
+            <a:off x="9464457" y="2330191"/>
             <a:ext cx="1093927" cy="499722"/>
           </a:xfrm>
           <a:prstGeom prst="rect">
